--- a/Documentation/Third Review ppt.pptx
+++ b/Documentation/Third Review ppt.pptx
@@ -5882,12 +5882,17 @@
         </p:blipFill>
         <p:spPr>
           <a:xfrm>
-            <a:off x="654341" y="486562"/>
-            <a:ext cx="10864675" cy="5641676"/>
+            <a:off x="654341" y="838515"/>
+            <a:ext cx="10864675" cy="4937769"/>
           </a:xfrm>
           <a:prstGeom prst="rect">
             <a:avLst/>
           </a:prstGeom>
+          <a:ln w="19050">
+            <a:solidFill>
+              <a:schemeClr val="tx1"/>
+            </a:solidFill>
+          </a:ln>
         </p:spPr>
       </p:pic>
     </p:spTree>
